--- a/Diagram.pptx
+++ b/Diagram.pptx
@@ -8,6 +8,7 @@
     <p:sldId id="257" r:id="rId2"/>
     <p:sldId id="256" r:id="rId3"/>
     <p:sldId id="258" r:id="rId4"/>
+    <p:sldId id="259" r:id="rId5"/>
   </p:sldIdLst>
   <p:sldSz cx="12192000" cy="6858000"/>
   <p:notesSz cx="6858000" cy="9144000"/>
@@ -261,7 +262,7 @@
           <a:p>
             <a:fld id="{F6071535-C519-40D7-BF62-49135BF2DB0E}" type="datetimeFigureOut">
               <a:rPr lang="en-US" smtClean="0"/>
-              <a:t>4/15/2018</a:t>
+              <a:t>4/16/2018</a:t>
             </a:fld>
             <a:endParaRPr lang="en-US"/>
           </a:p>
@@ -459,7 +460,7 @@
           <a:p>
             <a:fld id="{F6071535-C519-40D7-BF62-49135BF2DB0E}" type="datetimeFigureOut">
               <a:rPr lang="en-US" smtClean="0"/>
-              <a:t>4/15/2018</a:t>
+              <a:t>4/16/2018</a:t>
             </a:fld>
             <a:endParaRPr lang="en-US"/>
           </a:p>
@@ -667,7 +668,7 @@
           <a:p>
             <a:fld id="{F6071535-C519-40D7-BF62-49135BF2DB0E}" type="datetimeFigureOut">
               <a:rPr lang="en-US" smtClean="0"/>
-              <a:t>4/15/2018</a:t>
+              <a:t>4/16/2018</a:t>
             </a:fld>
             <a:endParaRPr lang="en-US"/>
           </a:p>
@@ -865,7 +866,7 @@
           <a:p>
             <a:fld id="{F6071535-C519-40D7-BF62-49135BF2DB0E}" type="datetimeFigureOut">
               <a:rPr lang="en-US" smtClean="0"/>
-              <a:t>4/15/2018</a:t>
+              <a:t>4/16/2018</a:t>
             </a:fld>
             <a:endParaRPr lang="en-US"/>
           </a:p>
@@ -1140,7 +1141,7 @@
           <a:p>
             <a:fld id="{F6071535-C519-40D7-BF62-49135BF2DB0E}" type="datetimeFigureOut">
               <a:rPr lang="en-US" smtClean="0"/>
-              <a:t>4/15/2018</a:t>
+              <a:t>4/16/2018</a:t>
             </a:fld>
             <a:endParaRPr lang="en-US"/>
           </a:p>
@@ -1405,7 +1406,7 @@
           <a:p>
             <a:fld id="{F6071535-C519-40D7-BF62-49135BF2DB0E}" type="datetimeFigureOut">
               <a:rPr lang="en-US" smtClean="0"/>
-              <a:t>4/15/2018</a:t>
+              <a:t>4/16/2018</a:t>
             </a:fld>
             <a:endParaRPr lang="en-US"/>
           </a:p>
@@ -1817,7 +1818,7 @@
           <a:p>
             <a:fld id="{F6071535-C519-40D7-BF62-49135BF2DB0E}" type="datetimeFigureOut">
               <a:rPr lang="en-US" smtClean="0"/>
-              <a:t>4/15/2018</a:t>
+              <a:t>4/16/2018</a:t>
             </a:fld>
             <a:endParaRPr lang="en-US"/>
           </a:p>
@@ -1958,7 +1959,7 @@
           <a:p>
             <a:fld id="{F6071535-C519-40D7-BF62-49135BF2DB0E}" type="datetimeFigureOut">
               <a:rPr lang="en-US" smtClean="0"/>
-              <a:t>4/15/2018</a:t>
+              <a:t>4/16/2018</a:t>
             </a:fld>
             <a:endParaRPr lang="en-US"/>
           </a:p>
@@ -2071,7 +2072,7 @@
           <a:p>
             <a:fld id="{F6071535-C519-40D7-BF62-49135BF2DB0E}" type="datetimeFigureOut">
               <a:rPr lang="en-US" smtClean="0"/>
-              <a:t>4/15/2018</a:t>
+              <a:t>4/16/2018</a:t>
             </a:fld>
             <a:endParaRPr lang="en-US"/>
           </a:p>
@@ -2382,7 +2383,7 @@
           <a:p>
             <a:fld id="{F6071535-C519-40D7-BF62-49135BF2DB0E}" type="datetimeFigureOut">
               <a:rPr lang="en-US" smtClean="0"/>
-              <a:t>4/15/2018</a:t>
+              <a:t>4/16/2018</a:t>
             </a:fld>
             <a:endParaRPr lang="en-US"/>
           </a:p>
@@ -2670,7 +2671,7 @@
           <a:p>
             <a:fld id="{F6071535-C519-40D7-BF62-49135BF2DB0E}" type="datetimeFigureOut">
               <a:rPr lang="en-US" smtClean="0"/>
-              <a:t>4/15/2018</a:t>
+              <a:t>4/16/2018</a:t>
             </a:fld>
             <a:endParaRPr lang="en-US"/>
           </a:p>
@@ -2911,7 +2912,7 @@
           <a:p>
             <a:fld id="{F6071535-C519-40D7-BF62-49135BF2DB0E}" type="datetimeFigureOut">
               <a:rPr lang="en-US" smtClean="0"/>
-              <a:t>4/15/2018</a:t>
+              <a:t>4/16/2018</a:t>
             </a:fld>
             <a:endParaRPr lang="en-US"/>
           </a:p>
@@ -8343,6 +8344,1135 @@
 </p:sld>
 </file>
 
+<file path=ppt/slides/slide4.xml><?xml version="1.0" encoding="utf-8"?>
+<p:sld xmlns:a="http://schemas.openxmlformats.org/drawingml/2006/main" xmlns:r="http://schemas.openxmlformats.org/officeDocument/2006/relationships" xmlns:p="http://schemas.openxmlformats.org/presentationml/2006/main">
+  <p:cSld>
+    <p:spTree>
+      <p:nvGrpSpPr>
+        <p:cNvPr id="1" name=""/>
+        <p:cNvGrpSpPr/>
+        <p:nvPr/>
+      </p:nvGrpSpPr>
+      <p:grpSpPr>
+        <a:xfrm>
+          <a:off x="0" y="0"/>
+          <a:ext cx="0" cy="0"/>
+          <a:chOff x="0" y="0"/>
+          <a:chExt cx="0" cy="0"/>
+        </a:xfrm>
+      </p:grpSpPr>
+      <p:sp>
+        <p:nvSpPr>
+          <p:cNvPr id="4" name="TextBox 3">
+            <a:extLst>
+              <a:ext uri="{FF2B5EF4-FFF2-40B4-BE49-F238E27FC236}">
+                <a16:creationId xmlns:a16="http://schemas.microsoft.com/office/drawing/2014/main" id="{92116DE1-AD54-4E2D-ABB2-0B55682ED8C0}"/>
+              </a:ext>
+            </a:extLst>
+          </p:cNvPr>
+          <p:cNvSpPr txBox="1"/>
+          <p:nvPr/>
+        </p:nvSpPr>
+        <p:spPr>
+          <a:xfrm>
+            <a:off x="8642838" y="6273225"/>
+            <a:ext cx="3549162" cy="584775"/>
+          </a:xfrm>
+          <a:prstGeom prst="rect">
+            <a:avLst/>
+          </a:prstGeom>
+          <a:noFill/>
+        </p:spPr>
+        <p:txBody>
+          <a:bodyPr wrap="square" rtlCol="0">
+            <a:spAutoFit/>
+          </a:bodyPr>
+          <a:lstStyle/>
+          <a:p>
+            <a:pPr algn="r"/>
+            <a:r>
+              <a:rPr lang="en-US" sz="3200" dirty="0"/>
+              <a:t>Server Loop Order</a:t>
+            </a:r>
+          </a:p>
+        </p:txBody>
+      </p:sp>
+      <p:sp>
+        <p:nvSpPr>
+          <p:cNvPr id="6" name="TextBox 5">
+            <a:extLst>
+              <a:ext uri="{FF2B5EF4-FFF2-40B4-BE49-F238E27FC236}">
+                <a16:creationId xmlns:a16="http://schemas.microsoft.com/office/drawing/2014/main" id="{689BE395-2DFE-4D44-BCF9-A9B1620C6A49}"/>
+              </a:ext>
+            </a:extLst>
+          </p:cNvPr>
+          <p:cNvSpPr txBox="1"/>
+          <p:nvPr/>
+        </p:nvSpPr>
+        <p:spPr>
+          <a:xfrm>
+            <a:off x="4796203" y="1303164"/>
+            <a:ext cx="2123343" cy="369332"/>
+          </a:xfrm>
+          <a:prstGeom prst="rect">
+            <a:avLst/>
+          </a:prstGeom>
+          <a:solidFill>
+            <a:schemeClr val="accent4"/>
+          </a:solidFill>
+          <a:ln>
+            <a:solidFill>
+              <a:schemeClr val="tx1"/>
+            </a:solidFill>
+          </a:ln>
+        </p:spPr>
+        <p:txBody>
+          <a:bodyPr wrap="square" rtlCol="0">
+            <a:spAutoFit/>
+          </a:bodyPr>
+          <a:lstStyle/>
+          <a:p>
+            <a:r>
+              <a:rPr lang="en-US" dirty="0"/>
+              <a:t>Notify Player of Turn</a:t>
+            </a:r>
+          </a:p>
+        </p:txBody>
+      </p:sp>
+      <p:sp>
+        <p:nvSpPr>
+          <p:cNvPr id="7" name="TextBox 6">
+            <a:extLst>
+              <a:ext uri="{FF2B5EF4-FFF2-40B4-BE49-F238E27FC236}">
+                <a16:creationId xmlns:a16="http://schemas.microsoft.com/office/drawing/2014/main" id="{77DEDE43-7DD6-47A4-BC69-4DB030A40D7E}"/>
+              </a:ext>
+            </a:extLst>
+          </p:cNvPr>
+          <p:cNvSpPr txBox="1"/>
+          <p:nvPr/>
+        </p:nvSpPr>
+        <p:spPr>
+          <a:xfrm>
+            <a:off x="7345973" y="1303164"/>
+            <a:ext cx="2787164" cy="369332"/>
+          </a:xfrm>
+          <a:prstGeom prst="rect">
+            <a:avLst/>
+          </a:prstGeom>
+          <a:solidFill>
+            <a:schemeClr val="accent5">
+              <a:lumMod val="60000"/>
+              <a:lumOff val="40000"/>
+            </a:schemeClr>
+          </a:solidFill>
+          <a:ln>
+            <a:solidFill>
+              <a:schemeClr val="tx1"/>
+            </a:solidFill>
+          </a:ln>
+        </p:spPr>
+        <p:txBody>
+          <a:bodyPr wrap="square" rtlCol="0">
+            <a:spAutoFit/>
+          </a:bodyPr>
+          <a:lstStyle/>
+          <a:p>
+            <a:r>
+              <a:rPr lang="en-US" dirty="0"/>
+              <a:t>Wait and Read Player Move</a:t>
+            </a:r>
+          </a:p>
+        </p:txBody>
+      </p:sp>
+      <p:sp>
+        <p:nvSpPr>
+          <p:cNvPr id="8" name="TextBox 7">
+            <a:extLst>
+              <a:ext uri="{FF2B5EF4-FFF2-40B4-BE49-F238E27FC236}">
+                <a16:creationId xmlns:a16="http://schemas.microsoft.com/office/drawing/2014/main" id="{1527DA2D-0C35-4BBB-A9D9-91F178A222DE}"/>
+              </a:ext>
+            </a:extLst>
+          </p:cNvPr>
+          <p:cNvSpPr txBox="1"/>
+          <p:nvPr/>
+        </p:nvSpPr>
+        <p:spPr>
+          <a:xfrm>
+            <a:off x="6964974" y="2409065"/>
+            <a:ext cx="3549161" cy="369332"/>
+          </a:xfrm>
+          <a:prstGeom prst="rect">
+            <a:avLst/>
+          </a:prstGeom>
+          <a:solidFill>
+            <a:schemeClr val="accent5">
+              <a:lumMod val="60000"/>
+              <a:lumOff val="40000"/>
+            </a:schemeClr>
+          </a:solidFill>
+          <a:ln>
+            <a:solidFill>
+              <a:schemeClr val="tx1"/>
+            </a:solidFill>
+          </a:ln>
+        </p:spPr>
+        <p:txBody>
+          <a:bodyPr wrap="square" rtlCol="0">
+            <a:spAutoFit/>
+          </a:bodyPr>
+          <a:lstStyle/>
+          <a:p>
+            <a:r>
+              <a:rPr lang="en-US" dirty="0"/>
+              <a:t>Update Board and Add Game Move</a:t>
+            </a:r>
+          </a:p>
+        </p:txBody>
+      </p:sp>
+      <p:sp>
+        <p:nvSpPr>
+          <p:cNvPr id="9" name="TextBox 8">
+            <a:extLst>
+              <a:ext uri="{FF2B5EF4-FFF2-40B4-BE49-F238E27FC236}">
+                <a16:creationId xmlns:a16="http://schemas.microsoft.com/office/drawing/2014/main" id="{8D4C0195-E52A-4739-9136-BDC8D0D1FCA6}"/>
+              </a:ext>
+            </a:extLst>
+          </p:cNvPr>
+          <p:cNvSpPr txBox="1"/>
+          <p:nvPr/>
+        </p:nvSpPr>
+        <p:spPr>
+          <a:xfrm>
+            <a:off x="1101969" y="1303164"/>
+            <a:ext cx="3267807" cy="369332"/>
+          </a:xfrm>
+          <a:prstGeom prst="rect">
+            <a:avLst/>
+          </a:prstGeom>
+          <a:solidFill>
+            <a:schemeClr val="accent5">
+              <a:lumMod val="60000"/>
+              <a:lumOff val="40000"/>
+            </a:schemeClr>
+          </a:solidFill>
+          <a:ln>
+            <a:solidFill>
+              <a:schemeClr val="tx1"/>
+            </a:solidFill>
+          </a:ln>
+        </p:spPr>
+        <p:txBody>
+          <a:bodyPr wrap="square" rtlCol="0">
+            <a:spAutoFit/>
+          </a:bodyPr>
+          <a:lstStyle/>
+          <a:p>
+            <a:r>
+              <a:rPr lang="en-US" dirty="0"/>
+              <a:t>Remove Next Player from Queue</a:t>
+            </a:r>
+          </a:p>
+        </p:txBody>
+      </p:sp>
+      <p:sp>
+        <p:nvSpPr>
+          <p:cNvPr id="10" name="TextBox 9">
+            <a:extLst>
+              <a:ext uri="{FF2B5EF4-FFF2-40B4-BE49-F238E27FC236}">
+                <a16:creationId xmlns:a16="http://schemas.microsoft.com/office/drawing/2014/main" id="{DB27CBE6-4BE4-4D2D-84DC-37759FF118B6}"/>
+              </a:ext>
+            </a:extLst>
+          </p:cNvPr>
+          <p:cNvSpPr txBox="1"/>
+          <p:nvPr/>
+        </p:nvSpPr>
+        <p:spPr>
+          <a:xfrm>
+            <a:off x="7270505" y="3526293"/>
+            <a:ext cx="2938097" cy="369332"/>
+          </a:xfrm>
+          <a:prstGeom prst="rect">
+            <a:avLst/>
+          </a:prstGeom>
+          <a:solidFill>
+            <a:schemeClr val="accent4"/>
+          </a:solidFill>
+          <a:ln>
+            <a:solidFill>
+              <a:schemeClr val="tx1"/>
+            </a:solidFill>
+          </a:ln>
+        </p:spPr>
+        <p:txBody>
+          <a:bodyPr wrap="square" rtlCol="0">
+            <a:spAutoFit/>
+          </a:bodyPr>
+          <a:lstStyle/>
+          <a:p>
+            <a:r>
+              <a:rPr lang="en-US" dirty="0"/>
+              <a:t>Notify Other Players of Move</a:t>
+            </a:r>
+          </a:p>
+        </p:txBody>
+      </p:sp>
+      <p:sp>
+        <p:nvSpPr>
+          <p:cNvPr id="11" name="TextBox 10">
+            <a:extLst>
+              <a:ext uri="{FF2B5EF4-FFF2-40B4-BE49-F238E27FC236}">
+                <a16:creationId xmlns:a16="http://schemas.microsoft.com/office/drawing/2014/main" id="{7DD1679F-45D6-4DF5-BC7F-D234D0DF2699}"/>
+              </a:ext>
+            </a:extLst>
+          </p:cNvPr>
+          <p:cNvSpPr txBox="1"/>
+          <p:nvPr/>
+        </p:nvSpPr>
+        <p:spPr>
+          <a:xfrm>
+            <a:off x="4888522" y="3526293"/>
+            <a:ext cx="1938704" cy="369332"/>
+          </a:xfrm>
+          <a:prstGeom prst="rect">
+            <a:avLst/>
+          </a:prstGeom>
+          <a:solidFill>
+            <a:schemeClr val="accent5">
+              <a:lumMod val="60000"/>
+              <a:lumOff val="40000"/>
+            </a:schemeClr>
+          </a:solidFill>
+          <a:ln>
+            <a:solidFill>
+              <a:schemeClr val="tx1"/>
+            </a:solidFill>
+          </a:ln>
+        </p:spPr>
+        <p:txBody>
+          <a:bodyPr wrap="square" rtlCol="0">
+            <a:spAutoFit/>
+          </a:bodyPr>
+          <a:lstStyle/>
+          <a:p>
+            <a:r>
+              <a:rPr lang="en-US" dirty="0"/>
+              <a:t>Check if Win or Tie</a:t>
+            </a:r>
+          </a:p>
+        </p:txBody>
+      </p:sp>
+      <p:cxnSp>
+        <p:nvCxnSpPr>
+          <p:cNvPr id="13" name="Straight Arrow Connector 12">
+            <a:extLst>
+              <a:ext uri="{FF2B5EF4-FFF2-40B4-BE49-F238E27FC236}">
+                <a16:creationId xmlns:a16="http://schemas.microsoft.com/office/drawing/2014/main" id="{BF30DF19-4359-4BF9-8234-C80B9CB274FB}"/>
+              </a:ext>
+            </a:extLst>
+          </p:cNvPr>
+          <p:cNvCxnSpPr>
+            <a:stCxn id="9" idx="3"/>
+            <a:endCxn id="6" idx="1"/>
+          </p:cNvCxnSpPr>
+          <p:nvPr/>
+        </p:nvCxnSpPr>
+        <p:spPr>
+          <a:xfrm>
+            <a:off x="4369776" y="1487830"/>
+            <a:ext cx="426427" cy="0"/>
+          </a:xfrm>
+          <a:prstGeom prst="straightConnector1">
+            <a:avLst/>
+          </a:prstGeom>
+          <a:ln>
+            <a:tailEnd type="triangle"/>
+          </a:ln>
+        </p:spPr>
+        <p:style>
+          <a:lnRef idx="1">
+            <a:schemeClr val="accent1"/>
+          </a:lnRef>
+          <a:fillRef idx="0">
+            <a:schemeClr val="accent1"/>
+          </a:fillRef>
+          <a:effectRef idx="0">
+            <a:schemeClr val="accent1"/>
+          </a:effectRef>
+          <a:fontRef idx="minor">
+            <a:schemeClr val="tx1"/>
+          </a:fontRef>
+        </p:style>
+      </p:cxnSp>
+      <p:cxnSp>
+        <p:nvCxnSpPr>
+          <p:cNvPr id="15" name="Straight Arrow Connector 14">
+            <a:extLst>
+              <a:ext uri="{FF2B5EF4-FFF2-40B4-BE49-F238E27FC236}">
+                <a16:creationId xmlns:a16="http://schemas.microsoft.com/office/drawing/2014/main" id="{669EB9FA-7348-488E-A777-0789491096D2}"/>
+              </a:ext>
+            </a:extLst>
+          </p:cNvPr>
+          <p:cNvCxnSpPr>
+            <a:stCxn id="6" idx="3"/>
+            <a:endCxn id="7" idx="1"/>
+          </p:cNvCxnSpPr>
+          <p:nvPr/>
+        </p:nvCxnSpPr>
+        <p:spPr>
+          <a:xfrm>
+            <a:off x="6919546" y="1487830"/>
+            <a:ext cx="426427" cy="0"/>
+          </a:xfrm>
+          <a:prstGeom prst="straightConnector1">
+            <a:avLst/>
+          </a:prstGeom>
+          <a:ln>
+            <a:tailEnd type="triangle"/>
+          </a:ln>
+        </p:spPr>
+        <p:style>
+          <a:lnRef idx="1">
+            <a:schemeClr val="accent1"/>
+          </a:lnRef>
+          <a:fillRef idx="0">
+            <a:schemeClr val="accent1"/>
+          </a:fillRef>
+          <a:effectRef idx="0">
+            <a:schemeClr val="accent1"/>
+          </a:effectRef>
+          <a:fontRef idx="minor">
+            <a:schemeClr val="tx1"/>
+          </a:fontRef>
+        </p:style>
+      </p:cxnSp>
+      <p:cxnSp>
+        <p:nvCxnSpPr>
+          <p:cNvPr id="17" name="Straight Arrow Connector 16">
+            <a:extLst>
+              <a:ext uri="{FF2B5EF4-FFF2-40B4-BE49-F238E27FC236}">
+                <a16:creationId xmlns:a16="http://schemas.microsoft.com/office/drawing/2014/main" id="{1A43D889-F784-4BA0-B72F-663E5407DF27}"/>
+              </a:ext>
+            </a:extLst>
+          </p:cNvPr>
+          <p:cNvCxnSpPr>
+            <a:stCxn id="7" idx="2"/>
+            <a:endCxn id="8" idx="0"/>
+          </p:cNvCxnSpPr>
+          <p:nvPr/>
+        </p:nvCxnSpPr>
+        <p:spPr>
+          <a:xfrm>
+            <a:off x="8739555" y="1672496"/>
+            <a:ext cx="0" cy="736569"/>
+          </a:xfrm>
+          <a:prstGeom prst="straightConnector1">
+            <a:avLst/>
+          </a:prstGeom>
+          <a:ln>
+            <a:tailEnd type="triangle"/>
+          </a:ln>
+        </p:spPr>
+        <p:style>
+          <a:lnRef idx="1">
+            <a:schemeClr val="accent1"/>
+          </a:lnRef>
+          <a:fillRef idx="0">
+            <a:schemeClr val="accent1"/>
+          </a:fillRef>
+          <a:effectRef idx="0">
+            <a:schemeClr val="accent1"/>
+          </a:effectRef>
+          <a:fontRef idx="minor">
+            <a:schemeClr val="tx1"/>
+          </a:fontRef>
+        </p:style>
+      </p:cxnSp>
+      <p:cxnSp>
+        <p:nvCxnSpPr>
+          <p:cNvPr id="19" name="Straight Arrow Connector 18">
+            <a:extLst>
+              <a:ext uri="{FF2B5EF4-FFF2-40B4-BE49-F238E27FC236}">
+                <a16:creationId xmlns:a16="http://schemas.microsoft.com/office/drawing/2014/main" id="{19AB004E-0EF9-4A0E-89F8-26482C7EB5A2}"/>
+              </a:ext>
+            </a:extLst>
+          </p:cNvPr>
+          <p:cNvCxnSpPr>
+            <a:stCxn id="8" idx="2"/>
+            <a:endCxn id="10" idx="0"/>
+          </p:cNvCxnSpPr>
+          <p:nvPr/>
+        </p:nvCxnSpPr>
+        <p:spPr>
+          <a:xfrm flipH="1">
+            <a:off x="8739554" y="2778397"/>
+            <a:ext cx="1" cy="747896"/>
+          </a:xfrm>
+          <a:prstGeom prst="straightConnector1">
+            <a:avLst/>
+          </a:prstGeom>
+          <a:ln>
+            <a:tailEnd type="triangle"/>
+          </a:ln>
+        </p:spPr>
+        <p:style>
+          <a:lnRef idx="1">
+            <a:schemeClr val="accent1"/>
+          </a:lnRef>
+          <a:fillRef idx="0">
+            <a:schemeClr val="accent1"/>
+          </a:fillRef>
+          <a:effectRef idx="0">
+            <a:schemeClr val="accent1"/>
+          </a:effectRef>
+          <a:fontRef idx="minor">
+            <a:schemeClr val="tx1"/>
+          </a:fontRef>
+        </p:style>
+      </p:cxnSp>
+      <p:cxnSp>
+        <p:nvCxnSpPr>
+          <p:cNvPr id="21" name="Straight Arrow Connector 20">
+            <a:extLst>
+              <a:ext uri="{FF2B5EF4-FFF2-40B4-BE49-F238E27FC236}">
+                <a16:creationId xmlns:a16="http://schemas.microsoft.com/office/drawing/2014/main" id="{407FA562-1253-4F1E-AA2C-C131CFC6649D}"/>
+              </a:ext>
+            </a:extLst>
+          </p:cNvPr>
+          <p:cNvCxnSpPr>
+            <a:stCxn id="10" idx="1"/>
+            <a:endCxn id="11" idx="3"/>
+          </p:cNvCxnSpPr>
+          <p:nvPr/>
+        </p:nvCxnSpPr>
+        <p:spPr>
+          <a:xfrm flipH="1">
+            <a:off x="6827226" y="3710959"/>
+            <a:ext cx="443279" cy="0"/>
+          </a:xfrm>
+          <a:prstGeom prst="straightConnector1">
+            <a:avLst/>
+          </a:prstGeom>
+          <a:ln>
+            <a:tailEnd type="triangle"/>
+          </a:ln>
+        </p:spPr>
+        <p:style>
+          <a:lnRef idx="1">
+            <a:schemeClr val="accent1"/>
+          </a:lnRef>
+          <a:fillRef idx="0">
+            <a:schemeClr val="accent1"/>
+          </a:fillRef>
+          <a:effectRef idx="0">
+            <a:schemeClr val="accent1"/>
+          </a:effectRef>
+          <a:fontRef idx="minor">
+            <a:schemeClr val="tx1"/>
+          </a:fontRef>
+        </p:style>
+      </p:cxnSp>
+      <p:sp>
+        <p:nvSpPr>
+          <p:cNvPr id="22" name="TextBox 21">
+            <a:extLst>
+              <a:ext uri="{FF2B5EF4-FFF2-40B4-BE49-F238E27FC236}">
+                <a16:creationId xmlns:a16="http://schemas.microsoft.com/office/drawing/2014/main" id="{61BEF209-73C5-4FD5-85BA-3844C01CAE99}"/>
+              </a:ext>
+            </a:extLst>
+          </p:cNvPr>
+          <p:cNvSpPr txBox="1"/>
+          <p:nvPr/>
+        </p:nvSpPr>
+        <p:spPr>
+          <a:xfrm>
+            <a:off x="1342295" y="2409065"/>
+            <a:ext cx="2787154" cy="369332"/>
+          </a:xfrm>
+          <a:prstGeom prst="rect">
+            <a:avLst/>
+          </a:prstGeom>
+          <a:solidFill>
+            <a:schemeClr val="accent5">
+              <a:lumMod val="60000"/>
+              <a:lumOff val="40000"/>
+            </a:schemeClr>
+          </a:solidFill>
+          <a:ln>
+            <a:solidFill>
+              <a:schemeClr val="tx1"/>
+            </a:solidFill>
+          </a:ln>
+        </p:spPr>
+        <p:txBody>
+          <a:bodyPr wrap="square" rtlCol="0">
+            <a:spAutoFit/>
+          </a:bodyPr>
+          <a:lstStyle/>
+          <a:p>
+            <a:r>
+              <a:rPr lang="en-US" dirty="0"/>
+              <a:t>Add Player to End of Queue</a:t>
+            </a:r>
+          </a:p>
+        </p:txBody>
+      </p:sp>
+      <p:cxnSp>
+        <p:nvCxnSpPr>
+          <p:cNvPr id="24" name="Straight Arrow Connector 23">
+            <a:extLst>
+              <a:ext uri="{FF2B5EF4-FFF2-40B4-BE49-F238E27FC236}">
+                <a16:creationId xmlns:a16="http://schemas.microsoft.com/office/drawing/2014/main" id="{CB525BC0-2509-464D-A839-B52B09A29C48}"/>
+              </a:ext>
+            </a:extLst>
+          </p:cNvPr>
+          <p:cNvCxnSpPr>
+            <a:stCxn id="22" idx="0"/>
+            <a:endCxn id="9" idx="2"/>
+          </p:cNvCxnSpPr>
+          <p:nvPr/>
+        </p:nvCxnSpPr>
+        <p:spPr>
+          <a:xfrm flipV="1">
+            <a:off x="2735872" y="1672496"/>
+            <a:ext cx="1" cy="736569"/>
+          </a:xfrm>
+          <a:prstGeom prst="straightConnector1">
+            <a:avLst/>
+          </a:prstGeom>
+          <a:ln>
+            <a:tailEnd type="triangle"/>
+          </a:ln>
+        </p:spPr>
+        <p:style>
+          <a:lnRef idx="1">
+            <a:schemeClr val="accent1"/>
+          </a:lnRef>
+          <a:fillRef idx="0">
+            <a:schemeClr val="accent1"/>
+          </a:fillRef>
+          <a:effectRef idx="0">
+            <a:schemeClr val="accent1"/>
+          </a:effectRef>
+          <a:fontRef idx="minor">
+            <a:schemeClr val="tx1"/>
+          </a:fontRef>
+        </p:style>
+      </p:cxnSp>
+      <p:sp>
+        <p:nvSpPr>
+          <p:cNvPr id="25" name="TextBox 24">
+            <a:extLst>
+              <a:ext uri="{FF2B5EF4-FFF2-40B4-BE49-F238E27FC236}">
+                <a16:creationId xmlns:a16="http://schemas.microsoft.com/office/drawing/2014/main" id="{7E8972C4-B58B-463B-8CF2-13F8B0B69EE1}"/>
+              </a:ext>
+            </a:extLst>
+          </p:cNvPr>
+          <p:cNvSpPr txBox="1"/>
+          <p:nvPr/>
+        </p:nvSpPr>
+        <p:spPr>
+          <a:xfrm>
+            <a:off x="771158" y="282334"/>
+            <a:ext cx="661622" cy="369332"/>
+          </a:xfrm>
+          <a:prstGeom prst="rect">
+            <a:avLst/>
+          </a:prstGeom>
+          <a:noFill/>
+          <a:ln>
+            <a:solidFill>
+              <a:schemeClr val="tx1"/>
+            </a:solidFill>
+          </a:ln>
+        </p:spPr>
+        <p:txBody>
+          <a:bodyPr wrap="square" rtlCol="0">
+            <a:spAutoFit/>
+          </a:bodyPr>
+          <a:lstStyle/>
+          <a:p>
+            <a:r>
+              <a:rPr lang="en-US" dirty="0"/>
+              <a:t>Start</a:t>
+            </a:r>
+          </a:p>
+        </p:txBody>
+      </p:sp>
+      <p:cxnSp>
+        <p:nvCxnSpPr>
+          <p:cNvPr id="27" name="Straight Arrow Connector 26">
+            <a:extLst>
+              <a:ext uri="{FF2B5EF4-FFF2-40B4-BE49-F238E27FC236}">
+                <a16:creationId xmlns:a16="http://schemas.microsoft.com/office/drawing/2014/main" id="{CA4FA2A6-F9C8-4073-93FB-011C3AB5B9D0}"/>
+              </a:ext>
+            </a:extLst>
+          </p:cNvPr>
+          <p:cNvCxnSpPr>
+            <a:stCxn id="25" idx="2"/>
+            <a:endCxn id="9" idx="0"/>
+          </p:cNvCxnSpPr>
+          <p:nvPr/>
+        </p:nvCxnSpPr>
+        <p:spPr>
+          <a:xfrm>
+            <a:off x="1101969" y="651666"/>
+            <a:ext cx="1633904" cy="651498"/>
+          </a:xfrm>
+          <a:prstGeom prst="straightConnector1">
+            <a:avLst/>
+          </a:prstGeom>
+          <a:ln>
+            <a:tailEnd type="triangle"/>
+          </a:ln>
+        </p:spPr>
+        <p:style>
+          <a:lnRef idx="1">
+            <a:schemeClr val="accent1"/>
+          </a:lnRef>
+          <a:fillRef idx="0">
+            <a:schemeClr val="accent1"/>
+          </a:fillRef>
+          <a:effectRef idx="0">
+            <a:schemeClr val="accent1"/>
+          </a:effectRef>
+          <a:fontRef idx="minor">
+            <a:schemeClr val="tx1"/>
+          </a:fontRef>
+        </p:style>
+      </p:cxnSp>
+      <p:sp>
+        <p:nvSpPr>
+          <p:cNvPr id="30" name="TextBox 29">
+            <a:extLst>
+              <a:ext uri="{FF2B5EF4-FFF2-40B4-BE49-F238E27FC236}">
+                <a16:creationId xmlns:a16="http://schemas.microsoft.com/office/drawing/2014/main" id="{589E5372-1F14-43A9-83E1-BD9A9B632370}"/>
+              </a:ext>
+            </a:extLst>
+          </p:cNvPr>
+          <p:cNvSpPr txBox="1"/>
+          <p:nvPr/>
+        </p:nvSpPr>
+        <p:spPr>
+          <a:xfrm>
+            <a:off x="1443404" y="4272094"/>
+            <a:ext cx="2584935" cy="369332"/>
+          </a:xfrm>
+          <a:prstGeom prst="rect">
+            <a:avLst/>
+          </a:prstGeom>
+          <a:solidFill>
+            <a:schemeClr val="accent5">
+              <a:lumMod val="60000"/>
+              <a:lumOff val="40000"/>
+            </a:schemeClr>
+          </a:solidFill>
+          <a:ln>
+            <a:solidFill>
+              <a:schemeClr val="tx1"/>
+            </a:solidFill>
+          </a:ln>
+        </p:spPr>
+        <p:txBody>
+          <a:bodyPr wrap="square" rtlCol="0">
+            <a:spAutoFit/>
+          </a:bodyPr>
+          <a:lstStyle/>
+          <a:p>
+            <a:r>
+              <a:rPr lang="en-US" dirty="0"/>
+              <a:t>Add Player back to Queue</a:t>
+            </a:r>
+          </a:p>
+        </p:txBody>
+      </p:sp>
+      <p:sp>
+        <p:nvSpPr>
+          <p:cNvPr id="33" name="TextBox 32">
+            <a:extLst>
+              <a:ext uri="{FF2B5EF4-FFF2-40B4-BE49-F238E27FC236}">
+                <a16:creationId xmlns:a16="http://schemas.microsoft.com/office/drawing/2014/main" id="{17010AC2-3CF8-4EA4-BA81-54905E39989E}"/>
+              </a:ext>
+            </a:extLst>
+          </p:cNvPr>
+          <p:cNvSpPr txBox="1"/>
+          <p:nvPr/>
+        </p:nvSpPr>
+        <p:spPr>
+          <a:xfrm>
+            <a:off x="4565406" y="5167090"/>
+            <a:ext cx="2584935" cy="369332"/>
+          </a:xfrm>
+          <a:prstGeom prst="rect">
+            <a:avLst/>
+          </a:prstGeom>
+          <a:solidFill>
+            <a:schemeClr val="accent5">
+              <a:lumMod val="60000"/>
+              <a:lumOff val="40000"/>
+            </a:schemeClr>
+          </a:solidFill>
+          <a:ln>
+            <a:solidFill>
+              <a:schemeClr val="tx1"/>
+            </a:solidFill>
+          </a:ln>
+        </p:spPr>
+        <p:txBody>
+          <a:bodyPr wrap="square" rtlCol="0">
+            <a:spAutoFit/>
+          </a:bodyPr>
+          <a:lstStyle/>
+          <a:p>
+            <a:r>
+              <a:rPr lang="en-US" dirty="0"/>
+              <a:t>If Win, Set Game Winner</a:t>
+            </a:r>
+          </a:p>
+        </p:txBody>
+      </p:sp>
+      <p:sp>
+        <p:nvSpPr>
+          <p:cNvPr id="34" name="TextBox 33">
+            <a:extLst>
+              <a:ext uri="{FF2B5EF4-FFF2-40B4-BE49-F238E27FC236}">
+                <a16:creationId xmlns:a16="http://schemas.microsoft.com/office/drawing/2014/main" id="{625BBD27-63DB-4E06-924D-524C9B4D3850}"/>
+              </a:ext>
+            </a:extLst>
+          </p:cNvPr>
+          <p:cNvSpPr txBox="1"/>
+          <p:nvPr/>
+        </p:nvSpPr>
+        <p:spPr>
+          <a:xfrm>
+            <a:off x="8456183" y="5167090"/>
+            <a:ext cx="566739" cy="369332"/>
+          </a:xfrm>
+          <a:prstGeom prst="rect">
+            <a:avLst/>
+          </a:prstGeom>
+          <a:noFill/>
+          <a:ln>
+            <a:solidFill>
+              <a:schemeClr val="tx1"/>
+            </a:solidFill>
+          </a:ln>
+        </p:spPr>
+        <p:txBody>
+          <a:bodyPr wrap="square" rtlCol="0">
+            <a:spAutoFit/>
+          </a:bodyPr>
+          <a:lstStyle/>
+          <a:p>
+            <a:r>
+              <a:rPr lang="en-US" dirty="0"/>
+              <a:t>End</a:t>
+            </a:r>
+          </a:p>
+        </p:txBody>
+      </p:sp>
+      <p:cxnSp>
+        <p:nvCxnSpPr>
+          <p:cNvPr id="36" name="Straight Arrow Connector 35">
+            <a:extLst>
+              <a:ext uri="{FF2B5EF4-FFF2-40B4-BE49-F238E27FC236}">
+                <a16:creationId xmlns:a16="http://schemas.microsoft.com/office/drawing/2014/main" id="{18FEE1FC-7065-486C-9892-02C660D0A810}"/>
+              </a:ext>
+            </a:extLst>
+          </p:cNvPr>
+          <p:cNvCxnSpPr>
+            <a:stCxn id="11" idx="1"/>
+            <a:endCxn id="22" idx="2"/>
+          </p:cNvCxnSpPr>
+          <p:nvPr/>
+        </p:nvCxnSpPr>
+        <p:spPr>
+          <a:xfrm flipH="1" flipV="1">
+            <a:off x="2735872" y="2778397"/>
+            <a:ext cx="2152650" cy="932562"/>
+          </a:xfrm>
+          <a:prstGeom prst="straightConnector1">
+            <a:avLst/>
+          </a:prstGeom>
+          <a:ln>
+            <a:tailEnd type="triangle"/>
+          </a:ln>
+        </p:spPr>
+        <p:style>
+          <a:lnRef idx="1">
+            <a:schemeClr val="accent1"/>
+          </a:lnRef>
+          <a:fillRef idx="0">
+            <a:schemeClr val="accent1"/>
+          </a:fillRef>
+          <a:effectRef idx="0">
+            <a:schemeClr val="accent1"/>
+          </a:effectRef>
+          <a:fontRef idx="minor">
+            <a:schemeClr val="tx1"/>
+          </a:fontRef>
+        </p:style>
+      </p:cxnSp>
+      <p:cxnSp>
+        <p:nvCxnSpPr>
+          <p:cNvPr id="38" name="Straight Arrow Connector 37">
+            <a:extLst>
+              <a:ext uri="{FF2B5EF4-FFF2-40B4-BE49-F238E27FC236}">
+                <a16:creationId xmlns:a16="http://schemas.microsoft.com/office/drawing/2014/main" id="{39AB5821-4772-4758-BCCF-481B770539AD}"/>
+              </a:ext>
+            </a:extLst>
+          </p:cNvPr>
+          <p:cNvCxnSpPr>
+            <a:stCxn id="33" idx="3"/>
+            <a:endCxn id="34" idx="1"/>
+          </p:cNvCxnSpPr>
+          <p:nvPr/>
+        </p:nvCxnSpPr>
+        <p:spPr>
+          <a:xfrm>
+            <a:off x="7150341" y="5351756"/>
+            <a:ext cx="1305842" cy="0"/>
+          </a:xfrm>
+          <a:prstGeom prst="straightConnector1">
+            <a:avLst/>
+          </a:prstGeom>
+          <a:ln>
+            <a:tailEnd type="triangle"/>
+          </a:ln>
+        </p:spPr>
+        <p:style>
+          <a:lnRef idx="1">
+            <a:schemeClr val="accent1"/>
+          </a:lnRef>
+          <a:fillRef idx="0">
+            <a:schemeClr val="accent1"/>
+          </a:fillRef>
+          <a:effectRef idx="0">
+            <a:schemeClr val="accent1"/>
+          </a:effectRef>
+          <a:fontRef idx="minor">
+            <a:schemeClr val="tx1"/>
+          </a:fontRef>
+        </p:style>
+      </p:cxnSp>
+      <p:cxnSp>
+        <p:nvCxnSpPr>
+          <p:cNvPr id="40" name="Straight Arrow Connector 39">
+            <a:extLst>
+              <a:ext uri="{FF2B5EF4-FFF2-40B4-BE49-F238E27FC236}">
+                <a16:creationId xmlns:a16="http://schemas.microsoft.com/office/drawing/2014/main" id="{83233540-B1E1-4268-8D63-B001A9238A14}"/>
+              </a:ext>
+            </a:extLst>
+          </p:cNvPr>
+          <p:cNvCxnSpPr>
+            <a:stCxn id="11" idx="1"/>
+            <a:endCxn id="30" idx="0"/>
+          </p:cNvCxnSpPr>
+          <p:nvPr/>
+        </p:nvCxnSpPr>
+        <p:spPr>
+          <a:xfrm flipH="1">
+            <a:off x="2735872" y="3710959"/>
+            <a:ext cx="2152650" cy="561135"/>
+          </a:xfrm>
+          <a:prstGeom prst="straightConnector1">
+            <a:avLst/>
+          </a:prstGeom>
+          <a:ln>
+            <a:tailEnd type="triangle"/>
+          </a:ln>
+        </p:spPr>
+        <p:style>
+          <a:lnRef idx="1">
+            <a:schemeClr val="accent1"/>
+          </a:lnRef>
+          <a:fillRef idx="0">
+            <a:schemeClr val="accent1"/>
+          </a:fillRef>
+          <a:effectRef idx="0">
+            <a:schemeClr val="accent1"/>
+          </a:effectRef>
+          <a:fontRef idx="minor">
+            <a:schemeClr val="tx1"/>
+          </a:fontRef>
+        </p:style>
+      </p:cxnSp>
+      <p:cxnSp>
+        <p:nvCxnSpPr>
+          <p:cNvPr id="45" name="Straight Connector 44">
+            <a:extLst>
+              <a:ext uri="{FF2B5EF4-FFF2-40B4-BE49-F238E27FC236}">
+                <a16:creationId xmlns:a16="http://schemas.microsoft.com/office/drawing/2014/main" id="{D1E2A5C3-397C-4A03-A187-DEEE19804753}"/>
+              </a:ext>
+            </a:extLst>
+          </p:cNvPr>
+          <p:cNvCxnSpPr/>
+          <p:nvPr/>
+        </p:nvCxnSpPr>
+        <p:spPr>
+          <a:xfrm>
+            <a:off x="0" y="6273225"/>
+            <a:ext cx="12192000" cy="0"/>
+          </a:xfrm>
+          <a:prstGeom prst="line">
+            <a:avLst/>
+          </a:prstGeom>
+          <a:ln>
+            <a:solidFill>
+              <a:schemeClr val="tx1"/>
+            </a:solidFill>
+          </a:ln>
+        </p:spPr>
+        <p:style>
+          <a:lnRef idx="1">
+            <a:schemeClr val="accent1"/>
+          </a:lnRef>
+          <a:fillRef idx="0">
+            <a:schemeClr val="accent1"/>
+          </a:fillRef>
+          <a:effectRef idx="0">
+            <a:schemeClr val="accent1"/>
+          </a:effectRef>
+          <a:fontRef idx="minor">
+            <a:schemeClr val="tx1"/>
+          </a:fontRef>
+        </p:style>
+      </p:cxnSp>
+      <p:sp>
+        <p:nvSpPr>
+          <p:cNvPr id="47" name="TextBox 46">
+            <a:extLst>
+              <a:ext uri="{FF2B5EF4-FFF2-40B4-BE49-F238E27FC236}">
+                <a16:creationId xmlns:a16="http://schemas.microsoft.com/office/drawing/2014/main" id="{43D57312-6F89-4917-83F9-46F125FE5D62}"/>
+              </a:ext>
+            </a:extLst>
+          </p:cNvPr>
+          <p:cNvSpPr txBox="1"/>
+          <p:nvPr/>
+        </p:nvSpPr>
+        <p:spPr>
+          <a:xfrm>
+            <a:off x="1552940" y="5319490"/>
+            <a:ext cx="2670661" cy="369332"/>
+          </a:xfrm>
+          <a:prstGeom prst="rect">
+            <a:avLst/>
+          </a:prstGeom>
+          <a:solidFill>
+            <a:schemeClr val="accent4"/>
+          </a:solidFill>
+          <a:ln>
+            <a:solidFill>
+              <a:schemeClr val="tx1"/>
+            </a:solidFill>
+          </a:ln>
+        </p:spPr>
+        <p:txBody>
+          <a:bodyPr wrap="square" rtlCol="0">
+            <a:spAutoFit/>
+          </a:bodyPr>
+          <a:lstStyle/>
+          <a:p>
+            <a:r>
+              <a:rPr lang="en-US" dirty="0"/>
+              <a:t>Notify All Players of Status</a:t>
+            </a:r>
+          </a:p>
+        </p:txBody>
+      </p:sp>
+      <p:cxnSp>
+        <p:nvCxnSpPr>
+          <p:cNvPr id="53" name="Straight Connector 52">
+            <a:extLst>
+              <a:ext uri="{FF2B5EF4-FFF2-40B4-BE49-F238E27FC236}">
+                <a16:creationId xmlns:a16="http://schemas.microsoft.com/office/drawing/2014/main" id="{1C167A22-FC24-4C7E-B7D4-4D39328DAE9E}"/>
+              </a:ext>
+            </a:extLst>
+          </p:cNvPr>
+          <p:cNvCxnSpPr>
+            <a:stCxn id="30" idx="2"/>
+            <a:endCxn id="47" idx="0"/>
+          </p:cNvCxnSpPr>
+          <p:nvPr/>
+        </p:nvCxnSpPr>
+        <p:spPr>
+          <a:xfrm>
+            <a:off x="2735872" y="4641426"/>
+            <a:ext cx="152399" cy="678064"/>
+          </a:xfrm>
+          <a:prstGeom prst="line">
+            <a:avLst/>
+          </a:prstGeom>
+        </p:spPr>
+        <p:style>
+          <a:lnRef idx="1">
+            <a:schemeClr val="accent1"/>
+          </a:lnRef>
+          <a:fillRef idx="0">
+            <a:schemeClr val="accent1"/>
+          </a:fillRef>
+          <a:effectRef idx="0">
+            <a:schemeClr val="accent1"/>
+          </a:effectRef>
+          <a:fontRef idx="minor">
+            <a:schemeClr val="tx1"/>
+          </a:fontRef>
+        </p:style>
+      </p:cxnSp>
+      <p:cxnSp>
+        <p:nvCxnSpPr>
+          <p:cNvPr id="55" name="Straight Arrow Connector 54">
+            <a:extLst>
+              <a:ext uri="{FF2B5EF4-FFF2-40B4-BE49-F238E27FC236}">
+                <a16:creationId xmlns:a16="http://schemas.microsoft.com/office/drawing/2014/main" id="{635D79AE-B5E6-49A8-BFB4-2C9DD868150B}"/>
+              </a:ext>
+            </a:extLst>
+          </p:cNvPr>
+          <p:cNvCxnSpPr>
+            <a:stCxn id="47" idx="3"/>
+            <a:endCxn id="33" idx="1"/>
+          </p:cNvCxnSpPr>
+          <p:nvPr/>
+        </p:nvCxnSpPr>
+        <p:spPr>
+          <a:xfrm flipV="1">
+            <a:off x="4223601" y="5351756"/>
+            <a:ext cx="341805" cy="152400"/>
+          </a:xfrm>
+          <a:prstGeom prst="straightConnector1">
+            <a:avLst/>
+          </a:prstGeom>
+          <a:ln>
+            <a:tailEnd type="triangle"/>
+          </a:ln>
+        </p:spPr>
+        <p:style>
+          <a:lnRef idx="1">
+            <a:schemeClr val="accent1"/>
+          </a:lnRef>
+          <a:fillRef idx="0">
+            <a:schemeClr val="accent1"/>
+          </a:fillRef>
+          <a:effectRef idx="0">
+            <a:schemeClr val="accent1"/>
+          </a:effectRef>
+          <a:fontRef idx="minor">
+            <a:schemeClr val="tx1"/>
+          </a:fontRef>
+        </p:style>
+      </p:cxnSp>
+    </p:spTree>
+    <p:extLst>
+      <p:ext uri="{BB962C8B-B14F-4D97-AF65-F5344CB8AC3E}">
+        <p14:creationId xmlns:p14="http://schemas.microsoft.com/office/powerpoint/2010/main" val="1824979610"/>
+      </p:ext>
+    </p:extLst>
+  </p:cSld>
+  <p:clrMapOvr>
+    <a:masterClrMapping/>
+  </p:clrMapOvr>
+</p:sld>
+</file>
+
 <file path=ppt/theme/theme1.xml><?xml version="1.0" encoding="utf-8"?>
 <a:theme xmlns:a="http://schemas.openxmlformats.org/drawingml/2006/main" name="Office Theme">
   <a:themeElements>

--- a/Diagram.pptx
+++ b/Diagram.pptx
@@ -9,6 +9,7 @@
     <p:sldId id="256" r:id="rId3"/>
     <p:sldId id="258" r:id="rId4"/>
     <p:sldId id="259" r:id="rId5"/>
+    <p:sldId id="260" r:id="rId6"/>
   </p:sldIdLst>
   <p:sldSz cx="12192000" cy="6858000"/>
   <p:notesSz cx="6858000" cy="9144000"/>
@@ -262,7 +263,7 @@
           <a:p>
             <a:fld id="{F6071535-C519-40D7-BF62-49135BF2DB0E}" type="datetimeFigureOut">
               <a:rPr lang="en-US" smtClean="0"/>
-              <a:t>4/16/2018</a:t>
+              <a:t>4/22/2018</a:t>
             </a:fld>
             <a:endParaRPr lang="en-US"/>
           </a:p>
@@ -460,7 +461,7 @@
           <a:p>
             <a:fld id="{F6071535-C519-40D7-BF62-49135BF2DB0E}" type="datetimeFigureOut">
               <a:rPr lang="en-US" smtClean="0"/>
-              <a:t>4/16/2018</a:t>
+              <a:t>4/22/2018</a:t>
             </a:fld>
             <a:endParaRPr lang="en-US"/>
           </a:p>
@@ -668,7 +669,7 @@
           <a:p>
             <a:fld id="{F6071535-C519-40D7-BF62-49135BF2DB0E}" type="datetimeFigureOut">
               <a:rPr lang="en-US" smtClean="0"/>
-              <a:t>4/16/2018</a:t>
+              <a:t>4/22/2018</a:t>
             </a:fld>
             <a:endParaRPr lang="en-US"/>
           </a:p>
@@ -866,7 +867,7 @@
           <a:p>
             <a:fld id="{F6071535-C519-40D7-BF62-49135BF2DB0E}" type="datetimeFigureOut">
               <a:rPr lang="en-US" smtClean="0"/>
-              <a:t>4/16/2018</a:t>
+              <a:t>4/22/2018</a:t>
             </a:fld>
             <a:endParaRPr lang="en-US"/>
           </a:p>
@@ -1141,7 +1142,7 @@
           <a:p>
             <a:fld id="{F6071535-C519-40D7-BF62-49135BF2DB0E}" type="datetimeFigureOut">
               <a:rPr lang="en-US" smtClean="0"/>
-              <a:t>4/16/2018</a:t>
+              <a:t>4/22/2018</a:t>
             </a:fld>
             <a:endParaRPr lang="en-US"/>
           </a:p>
@@ -1406,7 +1407,7 @@
           <a:p>
             <a:fld id="{F6071535-C519-40D7-BF62-49135BF2DB0E}" type="datetimeFigureOut">
               <a:rPr lang="en-US" smtClean="0"/>
-              <a:t>4/16/2018</a:t>
+              <a:t>4/22/2018</a:t>
             </a:fld>
             <a:endParaRPr lang="en-US"/>
           </a:p>
@@ -1818,7 +1819,7 @@
           <a:p>
             <a:fld id="{F6071535-C519-40D7-BF62-49135BF2DB0E}" type="datetimeFigureOut">
               <a:rPr lang="en-US" smtClean="0"/>
-              <a:t>4/16/2018</a:t>
+              <a:t>4/22/2018</a:t>
             </a:fld>
             <a:endParaRPr lang="en-US"/>
           </a:p>
@@ -1959,7 +1960,7 @@
           <a:p>
             <a:fld id="{F6071535-C519-40D7-BF62-49135BF2DB0E}" type="datetimeFigureOut">
               <a:rPr lang="en-US" smtClean="0"/>
-              <a:t>4/16/2018</a:t>
+              <a:t>4/22/2018</a:t>
             </a:fld>
             <a:endParaRPr lang="en-US"/>
           </a:p>
@@ -2072,7 +2073,7 @@
           <a:p>
             <a:fld id="{F6071535-C519-40D7-BF62-49135BF2DB0E}" type="datetimeFigureOut">
               <a:rPr lang="en-US" smtClean="0"/>
-              <a:t>4/16/2018</a:t>
+              <a:t>4/22/2018</a:t>
             </a:fld>
             <a:endParaRPr lang="en-US"/>
           </a:p>
@@ -2383,7 +2384,7 @@
           <a:p>
             <a:fld id="{F6071535-C519-40D7-BF62-49135BF2DB0E}" type="datetimeFigureOut">
               <a:rPr lang="en-US" smtClean="0"/>
-              <a:t>4/16/2018</a:t>
+              <a:t>4/22/2018</a:t>
             </a:fld>
             <a:endParaRPr lang="en-US"/>
           </a:p>
@@ -2671,7 +2672,7 @@
           <a:p>
             <a:fld id="{F6071535-C519-40D7-BF62-49135BF2DB0E}" type="datetimeFigureOut">
               <a:rPr lang="en-US" smtClean="0"/>
-              <a:t>4/16/2018</a:t>
+              <a:t>4/22/2018</a:t>
             </a:fld>
             <a:endParaRPr lang="en-US"/>
           </a:p>
@@ -2912,7 +2913,7 @@
           <a:p>
             <a:fld id="{F6071535-C519-40D7-BF62-49135BF2DB0E}" type="datetimeFigureOut">
               <a:rPr lang="en-US" smtClean="0"/>
-              <a:t>4/16/2018</a:t>
+              <a:t>4/22/2018</a:t>
             </a:fld>
             <a:endParaRPr lang="en-US"/>
           </a:p>
@@ -9473,6 +9474,180 @@
 </p:sld>
 </file>
 
+<file path=ppt/slides/slide5.xml><?xml version="1.0" encoding="utf-8"?>
+<p:sld xmlns:a="http://schemas.openxmlformats.org/drawingml/2006/main" xmlns:r="http://schemas.openxmlformats.org/officeDocument/2006/relationships" xmlns:p="http://schemas.openxmlformats.org/presentationml/2006/main">
+  <p:cSld>
+    <p:spTree>
+      <p:nvGrpSpPr>
+        <p:cNvPr id="1" name=""/>
+        <p:cNvGrpSpPr/>
+        <p:nvPr/>
+      </p:nvGrpSpPr>
+      <p:grpSpPr>
+        <a:xfrm>
+          <a:off x="0" y="0"/>
+          <a:ext cx="0" cy="0"/>
+          <a:chOff x="0" y="0"/>
+          <a:chExt cx="0" cy="0"/>
+        </a:xfrm>
+      </p:grpSpPr>
+      <p:sp>
+        <p:nvSpPr>
+          <p:cNvPr id="2" name="Title 1">
+            <a:extLst>
+              <a:ext uri="{FF2B5EF4-FFF2-40B4-BE49-F238E27FC236}">
+                <a16:creationId xmlns:a16="http://schemas.microsoft.com/office/drawing/2014/main" id="{B88A467E-3971-4F8D-ADBE-F4396324A312}"/>
+              </a:ext>
+            </a:extLst>
+          </p:cNvPr>
+          <p:cNvSpPr>
+            <a:spLocks noGrp="1"/>
+          </p:cNvSpPr>
+          <p:nvPr>
+            <p:ph type="title"/>
+          </p:nvPr>
+        </p:nvSpPr>
+        <p:spPr/>
+        <p:txBody>
+          <a:bodyPr/>
+          <a:lstStyle/>
+          <a:p>
+            <a:r>
+              <a:rPr lang="en-US" dirty="0"/>
+              <a:t>Server Ports</a:t>
+            </a:r>
+          </a:p>
+        </p:txBody>
+      </p:sp>
+      <p:sp>
+        <p:nvSpPr>
+          <p:cNvPr id="3" name="Content Placeholder 2">
+            <a:extLst>
+              <a:ext uri="{FF2B5EF4-FFF2-40B4-BE49-F238E27FC236}">
+                <a16:creationId xmlns:a16="http://schemas.microsoft.com/office/drawing/2014/main" id="{7733B645-6962-424C-9971-518B914C0E87}"/>
+              </a:ext>
+            </a:extLst>
+          </p:cNvPr>
+          <p:cNvSpPr>
+            <a:spLocks noGrp="1"/>
+          </p:cNvSpPr>
+          <p:nvPr>
+            <p:ph idx="1"/>
+          </p:nvPr>
+        </p:nvSpPr>
+        <p:spPr/>
+        <p:txBody>
+          <a:bodyPr/>
+          <a:lstStyle/>
+          <a:p>
+            <a:r>
+              <a:rPr lang="en-US" dirty="0"/>
+              <a:t>6327 – </a:t>
+            </a:r>
+            <a:r>
+              <a:rPr lang="en-US" dirty="0" err="1"/>
+              <a:t>Assigment</a:t>
+            </a:r>
+            <a:r>
+              <a:rPr lang="en-US" dirty="0"/>
+              <a:t> Server</a:t>
+            </a:r>
+          </a:p>
+          <a:p>
+            <a:r>
+              <a:rPr lang="en-US" dirty="0"/>
+              <a:t>99 – Website (set in IIS)</a:t>
+            </a:r>
+          </a:p>
+          <a:p>
+            <a:r>
+              <a:rPr lang="en-US" dirty="0"/>
+              <a:t>98 – </a:t>
+            </a:r>
+            <a:r>
+              <a:rPr lang="en-US" dirty="0" err="1"/>
+              <a:t>WebServer</a:t>
+            </a:r>
+            <a:r>
+              <a:rPr lang="en-US" dirty="0"/>
+              <a:t> game</a:t>
+            </a:r>
+          </a:p>
+          <a:p>
+            <a:r>
+              <a:rPr lang="en-US" dirty="0"/>
+              <a:t>97 – </a:t>
+            </a:r>
+            <a:r>
+              <a:rPr lang="en-US" dirty="0" err="1"/>
+              <a:t>WebSpawner</a:t>
+            </a:r>
+            <a:r>
+              <a:rPr lang="en-US" dirty="0"/>
+              <a:t>, connect to start </a:t>
+            </a:r>
+            <a:r>
+              <a:rPr lang="en-US" dirty="0" err="1"/>
+              <a:t>WebServer</a:t>
+            </a:r>
+            <a:endParaRPr lang="en-US" dirty="0"/>
+          </a:p>
+          <a:p>
+            <a:r>
+              <a:rPr lang="en-US" dirty="0"/>
+              <a:t>96 – </a:t>
+            </a:r>
+            <a:r>
+              <a:rPr lang="en-US" dirty="0" err="1"/>
+              <a:t>WebSpawner</a:t>
+            </a:r>
+            <a:r>
+              <a:rPr lang="en-US" dirty="0"/>
+              <a:t>, connect to close </a:t>
+            </a:r>
+            <a:r>
+              <a:rPr lang="en-US" dirty="0" err="1"/>
+              <a:t>WebServer</a:t>
+            </a:r>
+            <a:endParaRPr lang="en-US" dirty="0"/>
+          </a:p>
+          <a:p>
+            <a:r>
+              <a:rPr lang="en-US" dirty="0"/>
+              <a:t>95 – </a:t>
+            </a:r>
+            <a:r>
+              <a:rPr lang="en-US" dirty="0" err="1"/>
+              <a:t>WebSpawner</a:t>
+            </a:r>
+            <a:r>
+              <a:rPr lang="en-US" dirty="0"/>
+              <a:t>, connect to start </a:t>
+            </a:r>
+            <a:r>
+              <a:rPr lang="en-US" dirty="0" err="1"/>
+              <a:t>WebServer</a:t>
+            </a:r>
+            <a:r>
+              <a:rPr lang="en-US" dirty="0"/>
+              <a:t>, with Player AI</a:t>
+            </a:r>
+          </a:p>
+        </p:txBody>
+      </p:sp>
+    </p:spTree>
+    <p:extLst>
+      <p:ext uri="{BB962C8B-B14F-4D97-AF65-F5344CB8AC3E}">
+        <p14:creationId xmlns:p14="http://schemas.microsoft.com/office/powerpoint/2010/main" val="2058318246"/>
+      </p:ext>
+    </p:extLst>
+  </p:cSld>
+  <p:clrMapOvr>
+    <a:masterClrMapping/>
+  </p:clrMapOvr>
+</p:sld>
+</file>
+
 <file path=ppt/theme/theme1.xml><?xml version="1.0" encoding="utf-8"?>
 <a:theme xmlns:a="http://schemas.openxmlformats.org/drawingml/2006/main" name="Office Theme">
   <a:themeElements>

--- a/Diagram.pptx
+++ b/Diagram.pptx
@@ -10,6 +10,8 @@
     <p:sldId id="258" r:id="rId4"/>
     <p:sldId id="259" r:id="rId5"/>
     <p:sldId id="260" r:id="rId6"/>
+    <p:sldId id="261" r:id="rId7"/>
+    <p:sldId id="262" r:id="rId8"/>
   </p:sldIdLst>
   <p:sldSz cx="12192000" cy="6858000"/>
   <p:notesSz cx="6858000" cy="9144000"/>
@@ -263,7 +265,7 @@
           <a:p>
             <a:fld id="{F6071535-C519-40D7-BF62-49135BF2DB0E}" type="datetimeFigureOut">
               <a:rPr lang="en-US" smtClean="0"/>
-              <a:t>4/22/2018</a:t>
+              <a:t>5/1/2018</a:t>
             </a:fld>
             <a:endParaRPr lang="en-US"/>
           </a:p>
@@ -461,7 +463,7 @@
           <a:p>
             <a:fld id="{F6071535-C519-40D7-BF62-49135BF2DB0E}" type="datetimeFigureOut">
               <a:rPr lang="en-US" smtClean="0"/>
-              <a:t>4/22/2018</a:t>
+              <a:t>5/1/2018</a:t>
             </a:fld>
             <a:endParaRPr lang="en-US"/>
           </a:p>
@@ -669,7 +671,7 @@
           <a:p>
             <a:fld id="{F6071535-C519-40D7-BF62-49135BF2DB0E}" type="datetimeFigureOut">
               <a:rPr lang="en-US" smtClean="0"/>
-              <a:t>4/22/2018</a:t>
+              <a:t>5/1/2018</a:t>
             </a:fld>
             <a:endParaRPr lang="en-US"/>
           </a:p>
@@ -867,7 +869,7 @@
           <a:p>
             <a:fld id="{F6071535-C519-40D7-BF62-49135BF2DB0E}" type="datetimeFigureOut">
               <a:rPr lang="en-US" smtClean="0"/>
-              <a:t>4/22/2018</a:t>
+              <a:t>5/1/2018</a:t>
             </a:fld>
             <a:endParaRPr lang="en-US"/>
           </a:p>
@@ -1142,7 +1144,7 @@
           <a:p>
             <a:fld id="{F6071535-C519-40D7-BF62-49135BF2DB0E}" type="datetimeFigureOut">
               <a:rPr lang="en-US" smtClean="0"/>
-              <a:t>4/22/2018</a:t>
+              <a:t>5/1/2018</a:t>
             </a:fld>
             <a:endParaRPr lang="en-US"/>
           </a:p>
@@ -1407,7 +1409,7 @@
           <a:p>
             <a:fld id="{F6071535-C519-40D7-BF62-49135BF2DB0E}" type="datetimeFigureOut">
               <a:rPr lang="en-US" smtClean="0"/>
-              <a:t>4/22/2018</a:t>
+              <a:t>5/1/2018</a:t>
             </a:fld>
             <a:endParaRPr lang="en-US"/>
           </a:p>
@@ -1819,7 +1821,7 @@
           <a:p>
             <a:fld id="{F6071535-C519-40D7-BF62-49135BF2DB0E}" type="datetimeFigureOut">
               <a:rPr lang="en-US" smtClean="0"/>
-              <a:t>4/22/2018</a:t>
+              <a:t>5/1/2018</a:t>
             </a:fld>
             <a:endParaRPr lang="en-US"/>
           </a:p>
@@ -1960,7 +1962,7 @@
           <a:p>
             <a:fld id="{F6071535-C519-40D7-BF62-49135BF2DB0E}" type="datetimeFigureOut">
               <a:rPr lang="en-US" smtClean="0"/>
-              <a:t>4/22/2018</a:t>
+              <a:t>5/1/2018</a:t>
             </a:fld>
             <a:endParaRPr lang="en-US"/>
           </a:p>
@@ -2073,7 +2075,7 @@
           <a:p>
             <a:fld id="{F6071535-C519-40D7-BF62-49135BF2DB0E}" type="datetimeFigureOut">
               <a:rPr lang="en-US" smtClean="0"/>
-              <a:t>4/22/2018</a:t>
+              <a:t>5/1/2018</a:t>
             </a:fld>
             <a:endParaRPr lang="en-US"/>
           </a:p>
@@ -2384,7 +2386,7 @@
           <a:p>
             <a:fld id="{F6071535-C519-40D7-BF62-49135BF2DB0E}" type="datetimeFigureOut">
               <a:rPr lang="en-US" smtClean="0"/>
-              <a:t>4/22/2018</a:t>
+              <a:t>5/1/2018</a:t>
             </a:fld>
             <a:endParaRPr lang="en-US"/>
           </a:p>
@@ -2672,7 +2674,7 @@
           <a:p>
             <a:fld id="{F6071535-C519-40D7-BF62-49135BF2DB0E}" type="datetimeFigureOut">
               <a:rPr lang="en-US" smtClean="0"/>
-              <a:t>4/22/2018</a:t>
+              <a:t>5/1/2018</a:t>
             </a:fld>
             <a:endParaRPr lang="en-US"/>
           </a:p>
@@ -2913,7 +2915,7 @@
           <a:p>
             <a:fld id="{F6071535-C519-40D7-BF62-49135BF2DB0E}" type="datetimeFigureOut">
               <a:rPr lang="en-US" smtClean="0"/>
-              <a:t>4/22/2018</a:t>
+              <a:t>5/1/2018</a:t>
             </a:fld>
             <a:endParaRPr lang="en-US"/>
           </a:p>
@@ -9648,6 +9650,274 @@
 </p:sld>
 </file>
 
+<file path=ppt/slides/slide6.xml><?xml version="1.0" encoding="utf-8"?>
+<p:sld xmlns:a="http://schemas.openxmlformats.org/drawingml/2006/main" xmlns:r="http://schemas.openxmlformats.org/officeDocument/2006/relationships" xmlns:p="http://schemas.openxmlformats.org/presentationml/2006/main">
+  <p:cSld>
+    <p:spTree>
+      <p:nvGrpSpPr>
+        <p:cNvPr id="1" name=""/>
+        <p:cNvGrpSpPr/>
+        <p:nvPr/>
+      </p:nvGrpSpPr>
+      <p:grpSpPr>
+        <a:xfrm>
+          <a:off x="0" y="0"/>
+          <a:ext cx="0" cy="0"/>
+          <a:chOff x="0" y="0"/>
+          <a:chExt cx="0" cy="0"/>
+        </a:xfrm>
+      </p:grpSpPr>
+      <p:sp>
+        <p:nvSpPr>
+          <p:cNvPr id="2" name="Title 1">
+            <a:extLst>
+              <a:ext uri="{FF2B5EF4-FFF2-40B4-BE49-F238E27FC236}">
+                <a16:creationId xmlns:a16="http://schemas.microsoft.com/office/drawing/2014/main" id="{A95B9604-CE68-44E1-85BC-911CB1B8300D}"/>
+              </a:ext>
+            </a:extLst>
+          </p:cNvPr>
+          <p:cNvSpPr>
+            <a:spLocks noGrp="1"/>
+          </p:cNvSpPr>
+          <p:nvPr>
+            <p:ph type="title"/>
+          </p:nvPr>
+        </p:nvSpPr>
+        <p:spPr/>
+        <p:txBody>
+          <a:bodyPr/>
+          <a:lstStyle/>
+          <a:p>
+            <a:r>
+              <a:rPr lang="en-US" dirty="0"/>
+              <a:t>NN File</a:t>
+            </a:r>
+          </a:p>
+        </p:txBody>
+      </p:sp>
+      <p:sp>
+        <p:nvSpPr>
+          <p:cNvPr id="3" name="Content Placeholder 2">
+            <a:extLst>
+              <a:ext uri="{FF2B5EF4-FFF2-40B4-BE49-F238E27FC236}">
+                <a16:creationId xmlns:a16="http://schemas.microsoft.com/office/drawing/2014/main" id="{728C90DB-13C2-4C08-A3E7-4E33118018CC}"/>
+              </a:ext>
+            </a:extLst>
+          </p:cNvPr>
+          <p:cNvSpPr>
+            <a:spLocks noGrp="1"/>
+          </p:cNvSpPr>
+          <p:nvPr>
+            <p:ph idx="1"/>
+          </p:nvPr>
+        </p:nvSpPr>
+        <p:spPr>
+          <a:xfrm>
+            <a:off x="838200" y="1614609"/>
+            <a:ext cx="10515600" cy="4351338"/>
+          </a:xfrm>
+        </p:spPr>
+        <p:txBody>
+          <a:bodyPr/>
+          <a:lstStyle/>
+          <a:p>
+            <a:r>
+              <a:rPr lang="en-US" dirty="0"/>
+              <a:t>‘N’</a:t>
+            </a:r>
+          </a:p>
+          <a:p>
+            <a:r>
+              <a:rPr lang="en-US" dirty="0"/>
+              <a:t># layers (including start and end)</a:t>
+            </a:r>
+          </a:p>
+          <a:p>
+            <a:r>
+              <a:rPr lang="en-US" dirty="0"/>
+              <a:t># nodes in each layer</a:t>
+            </a:r>
+          </a:p>
+          <a:p>
+            <a:r>
+              <a:rPr lang="en-US" dirty="0"/>
+              <a:t># weight matrices</a:t>
+            </a:r>
+          </a:p>
+          <a:p>
+            <a:r>
+              <a:rPr lang="en-US" dirty="0"/>
+              <a:t># rows, # columns in each weight matrix</a:t>
+            </a:r>
+          </a:p>
+          <a:p>
+            <a:r>
+              <a:rPr lang="en-US" dirty="0"/>
+              <a:t>Weight double data</a:t>
+            </a:r>
+          </a:p>
+          <a:p>
+            <a:endParaRPr lang="en-US" dirty="0"/>
+          </a:p>
+        </p:txBody>
+      </p:sp>
+    </p:spTree>
+    <p:extLst>
+      <p:ext uri="{BB962C8B-B14F-4D97-AF65-F5344CB8AC3E}">
+        <p14:creationId xmlns:p14="http://schemas.microsoft.com/office/powerpoint/2010/main" val="868176123"/>
+      </p:ext>
+    </p:extLst>
+  </p:cSld>
+  <p:clrMapOvr>
+    <a:masterClrMapping/>
+  </p:clrMapOvr>
+</p:sld>
+</file>
+
+<file path=ppt/slides/slide7.xml><?xml version="1.0" encoding="utf-8"?>
+<p:sld xmlns:a="http://schemas.openxmlformats.org/drawingml/2006/main" xmlns:r="http://schemas.openxmlformats.org/officeDocument/2006/relationships" xmlns:p="http://schemas.openxmlformats.org/presentationml/2006/main">
+  <p:cSld>
+    <p:spTree>
+      <p:nvGrpSpPr>
+        <p:cNvPr id="1" name=""/>
+        <p:cNvGrpSpPr/>
+        <p:nvPr/>
+      </p:nvGrpSpPr>
+      <p:grpSpPr>
+        <a:xfrm>
+          <a:off x="0" y="0"/>
+          <a:ext cx="0" cy="0"/>
+          <a:chOff x="0" y="0"/>
+          <a:chExt cx="0" cy="0"/>
+        </a:xfrm>
+      </p:grpSpPr>
+      <p:sp>
+        <p:nvSpPr>
+          <p:cNvPr id="2" name="Title 1">
+            <a:extLst>
+              <a:ext uri="{FF2B5EF4-FFF2-40B4-BE49-F238E27FC236}">
+                <a16:creationId xmlns:a16="http://schemas.microsoft.com/office/drawing/2014/main" id="{0FF7C495-7181-4C67-89B1-8317C9B8A0F4}"/>
+              </a:ext>
+            </a:extLst>
+          </p:cNvPr>
+          <p:cNvSpPr>
+            <a:spLocks noGrp="1"/>
+          </p:cNvSpPr>
+          <p:nvPr>
+            <p:ph type="title"/>
+          </p:nvPr>
+        </p:nvSpPr>
+        <p:spPr/>
+        <p:txBody>
+          <a:bodyPr/>
+          <a:lstStyle/>
+          <a:p>
+            <a:r>
+              <a:rPr lang="en-US" dirty="0"/>
+              <a:t>CNN File</a:t>
+            </a:r>
+          </a:p>
+        </p:txBody>
+      </p:sp>
+      <p:sp>
+        <p:nvSpPr>
+          <p:cNvPr id="3" name="Content Placeholder 2">
+            <a:extLst>
+              <a:ext uri="{FF2B5EF4-FFF2-40B4-BE49-F238E27FC236}">
+                <a16:creationId xmlns:a16="http://schemas.microsoft.com/office/drawing/2014/main" id="{955B6F4A-D314-4C42-8D39-C549FD9B8A01}"/>
+              </a:ext>
+            </a:extLst>
+          </p:cNvPr>
+          <p:cNvSpPr>
+            <a:spLocks noGrp="1"/>
+          </p:cNvSpPr>
+          <p:nvPr>
+            <p:ph idx="1"/>
+          </p:nvPr>
+        </p:nvSpPr>
+        <p:spPr>
+          <a:xfrm>
+            <a:off x="838200" y="1561854"/>
+            <a:ext cx="10515600" cy="5076337"/>
+          </a:xfrm>
+        </p:spPr>
+        <p:txBody>
+          <a:bodyPr>
+            <a:normAutofit/>
+          </a:bodyPr>
+          <a:lstStyle/>
+          <a:p>
+            <a:r>
+              <a:rPr lang="en-US" dirty="0"/>
+              <a:t>‘C’</a:t>
+            </a:r>
+          </a:p>
+          <a:p>
+            <a:r>
+              <a:rPr lang="en-US" dirty="0"/>
+              <a:t>Input image width</a:t>
+            </a:r>
+          </a:p>
+          <a:p>
+            <a:r>
+              <a:rPr lang="en-US" dirty="0"/>
+              <a:t># convolution layers</a:t>
+            </a:r>
+          </a:p>
+          <a:p>
+            <a:r>
+              <a:rPr lang="en-US" dirty="0"/>
+              <a:t># fully connected layers (includes last layer)</a:t>
+            </a:r>
+          </a:p>
+          <a:p>
+            <a:r>
+              <a:rPr lang="en-US" dirty="0"/>
+              <a:t>Filter width for each convolution layer</a:t>
+            </a:r>
+          </a:p>
+          <a:p>
+            <a:r>
+              <a:rPr lang="en-US" dirty="0"/>
+              <a:t># nodes in each fully connected layer</a:t>
+            </a:r>
+          </a:p>
+          <a:p>
+            <a:r>
+              <a:rPr lang="en-US" dirty="0"/>
+              <a:t># weight matrices</a:t>
+            </a:r>
+          </a:p>
+          <a:p>
+            <a:r>
+              <a:rPr lang="en-US" dirty="0"/>
+              <a:t># rows, # columns in each weight matrix</a:t>
+            </a:r>
+          </a:p>
+          <a:p>
+            <a:r>
+              <a:rPr lang="en-US" dirty="0"/>
+              <a:t>Weight double data</a:t>
+            </a:r>
+          </a:p>
+          <a:p>
+            <a:endParaRPr lang="en-US" dirty="0"/>
+          </a:p>
+        </p:txBody>
+      </p:sp>
+    </p:spTree>
+    <p:extLst>
+      <p:ext uri="{BB962C8B-B14F-4D97-AF65-F5344CB8AC3E}">
+        <p14:creationId xmlns:p14="http://schemas.microsoft.com/office/powerpoint/2010/main" val="884396633"/>
+      </p:ext>
+    </p:extLst>
+  </p:cSld>
+  <p:clrMapOvr>
+    <a:masterClrMapping/>
+  </p:clrMapOvr>
+</p:sld>
+</file>
+
 <file path=ppt/theme/theme1.xml><?xml version="1.0" encoding="utf-8"?>
 <a:theme xmlns:a="http://schemas.openxmlformats.org/drawingml/2006/main" name="Office Theme">
   <a:themeElements>

--- a/Diagram.pptx
+++ b/Diagram.pptx
@@ -265,7 +265,7 @@
           <a:p>
             <a:fld id="{F6071535-C519-40D7-BF62-49135BF2DB0E}" type="datetimeFigureOut">
               <a:rPr lang="en-US" smtClean="0"/>
-              <a:t>5/1/2018</a:t>
+              <a:t>5/9/2018</a:t>
             </a:fld>
             <a:endParaRPr lang="en-US"/>
           </a:p>
@@ -463,7 +463,7 @@
           <a:p>
             <a:fld id="{F6071535-C519-40D7-BF62-49135BF2DB0E}" type="datetimeFigureOut">
               <a:rPr lang="en-US" smtClean="0"/>
-              <a:t>5/1/2018</a:t>
+              <a:t>5/9/2018</a:t>
             </a:fld>
             <a:endParaRPr lang="en-US"/>
           </a:p>
@@ -671,7 +671,7 @@
           <a:p>
             <a:fld id="{F6071535-C519-40D7-BF62-49135BF2DB0E}" type="datetimeFigureOut">
               <a:rPr lang="en-US" smtClean="0"/>
-              <a:t>5/1/2018</a:t>
+              <a:t>5/9/2018</a:t>
             </a:fld>
             <a:endParaRPr lang="en-US"/>
           </a:p>
@@ -869,7 +869,7 @@
           <a:p>
             <a:fld id="{F6071535-C519-40D7-BF62-49135BF2DB0E}" type="datetimeFigureOut">
               <a:rPr lang="en-US" smtClean="0"/>
-              <a:t>5/1/2018</a:t>
+              <a:t>5/9/2018</a:t>
             </a:fld>
             <a:endParaRPr lang="en-US"/>
           </a:p>
@@ -1144,7 +1144,7 @@
           <a:p>
             <a:fld id="{F6071535-C519-40D7-BF62-49135BF2DB0E}" type="datetimeFigureOut">
               <a:rPr lang="en-US" smtClean="0"/>
-              <a:t>5/1/2018</a:t>
+              <a:t>5/9/2018</a:t>
             </a:fld>
             <a:endParaRPr lang="en-US"/>
           </a:p>
@@ -1409,7 +1409,7 @@
           <a:p>
             <a:fld id="{F6071535-C519-40D7-BF62-49135BF2DB0E}" type="datetimeFigureOut">
               <a:rPr lang="en-US" smtClean="0"/>
-              <a:t>5/1/2018</a:t>
+              <a:t>5/9/2018</a:t>
             </a:fld>
             <a:endParaRPr lang="en-US"/>
           </a:p>
@@ -1821,7 +1821,7 @@
           <a:p>
             <a:fld id="{F6071535-C519-40D7-BF62-49135BF2DB0E}" type="datetimeFigureOut">
               <a:rPr lang="en-US" smtClean="0"/>
-              <a:t>5/1/2018</a:t>
+              <a:t>5/9/2018</a:t>
             </a:fld>
             <a:endParaRPr lang="en-US"/>
           </a:p>
@@ -1962,7 +1962,7 @@
           <a:p>
             <a:fld id="{F6071535-C519-40D7-BF62-49135BF2DB0E}" type="datetimeFigureOut">
               <a:rPr lang="en-US" smtClean="0"/>
-              <a:t>5/1/2018</a:t>
+              <a:t>5/9/2018</a:t>
             </a:fld>
             <a:endParaRPr lang="en-US"/>
           </a:p>
@@ -2075,7 +2075,7 @@
           <a:p>
             <a:fld id="{F6071535-C519-40D7-BF62-49135BF2DB0E}" type="datetimeFigureOut">
               <a:rPr lang="en-US" smtClean="0"/>
-              <a:t>5/1/2018</a:t>
+              <a:t>5/9/2018</a:t>
             </a:fld>
             <a:endParaRPr lang="en-US"/>
           </a:p>
@@ -2386,7 +2386,7 @@
           <a:p>
             <a:fld id="{F6071535-C519-40D7-BF62-49135BF2DB0E}" type="datetimeFigureOut">
               <a:rPr lang="en-US" smtClean="0"/>
-              <a:t>5/1/2018</a:t>
+              <a:t>5/9/2018</a:t>
             </a:fld>
             <a:endParaRPr lang="en-US"/>
           </a:p>
@@ -2674,7 +2674,7 @@
           <a:p>
             <a:fld id="{F6071535-C519-40D7-BF62-49135BF2DB0E}" type="datetimeFigureOut">
               <a:rPr lang="en-US" smtClean="0"/>
-              <a:t>5/1/2018</a:t>
+              <a:t>5/9/2018</a:t>
             </a:fld>
             <a:endParaRPr lang="en-US"/>
           </a:p>
@@ -2915,7 +2915,7 @@
           <a:p>
             <a:fld id="{F6071535-C519-40D7-BF62-49135BF2DB0E}" type="datetimeFigureOut">
               <a:rPr lang="en-US" smtClean="0"/>
-              <a:t>5/1/2018</a:t>
+              <a:t>5/9/2018</a:t>
             </a:fld>
             <a:endParaRPr lang="en-US"/>
           </a:p>
@@ -9544,15 +9544,7 @@
           <a:p>
             <a:r>
               <a:rPr lang="en-US" dirty="0"/>
-              <a:t>6327 – </a:t>
-            </a:r>
-            <a:r>
-              <a:rPr lang="en-US" dirty="0" err="1"/>
-              <a:t>Assigment</a:t>
-            </a:r>
-            <a:r>
-              <a:rPr lang="en-US" dirty="0"/>
-              <a:t> Server</a:t>
+              <a:t>6327 – Assignment Server</a:t>
             </a:r>
           </a:p>
           <a:p>
